--- a/docs/diagrams/storeDisplayPicActivityDiagram.pptx
+++ b/docs/diagrams/storeDisplayPicActivityDiagram.pptx
@@ -261,7 +261,7 @@
           <a:p>
             <a:fld id="{542F47FF-5056-41FF-A1F8-23A414798AA4}" type="datetimeFigureOut">
               <a:rPr lang="en-SG" smtClean="0"/>
-              <a:t>12/4/2018</a:t>
+              <a:t>15/4/2018</a:t>
             </a:fld>
             <a:endParaRPr lang="en-SG"/>
           </a:p>
@@ -461,7 +461,7 @@
           <a:p>
             <a:fld id="{542F47FF-5056-41FF-A1F8-23A414798AA4}" type="datetimeFigureOut">
               <a:rPr lang="en-SG" smtClean="0"/>
-              <a:t>12/4/2018</a:t>
+              <a:t>15/4/2018</a:t>
             </a:fld>
             <a:endParaRPr lang="en-SG"/>
           </a:p>
@@ -671,7 +671,7 @@
           <a:p>
             <a:fld id="{542F47FF-5056-41FF-A1F8-23A414798AA4}" type="datetimeFigureOut">
               <a:rPr lang="en-SG" smtClean="0"/>
-              <a:t>12/4/2018</a:t>
+              <a:t>15/4/2018</a:t>
             </a:fld>
             <a:endParaRPr lang="en-SG"/>
           </a:p>
@@ -871,7 +871,7 @@
           <a:p>
             <a:fld id="{542F47FF-5056-41FF-A1F8-23A414798AA4}" type="datetimeFigureOut">
               <a:rPr lang="en-SG" smtClean="0"/>
-              <a:t>12/4/2018</a:t>
+              <a:t>15/4/2018</a:t>
             </a:fld>
             <a:endParaRPr lang="en-SG"/>
           </a:p>
@@ -1147,7 +1147,7 @@
           <a:p>
             <a:fld id="{542F47FF-5056-41FF-A1F8-23A414798AA4}" type="datetimeFigureOut">
               <a:rPr lang="en-SG" smtClean="0"/>
-              <a:t>12/4/2018</a:t>
+              <a:t>15/4/2018</a:t>
             </a:fld>
             <a:endParaRPr lang="en-SG"/>
           </a:p>
@@ -1415,7 +1415,7 @@
           <a:p>
             <a:fld id="{542F47FF-5056-41FF-A1F8-23A414798AA4}" type="datetimeFigureOut">
               <a:rPr lang="en-SG" smtClean="0"/>
-              <a:t>12/4/2018</a:t>
+              <a:t>15/4/2018</a:t>
             </a:fld>
             <a:endParaRPr lang="en-SG"/>
           </a:p>
@@ -1830,7 +1830,7 @@
           <a:p>
             <a:fld id="{542F47FF-5056-41FF-A1F8-23A414798AA4}" type="datetimeFigureOut">
               <a:rPr lang="en-SG" smtClean="0"/>
-              <a:t>12/4/2018</a:t>
+              <a:t>15/4/2018</a:t>
             </a:fld>
             <a:endParaRPr lang="en-SG"/>
           </a:p>
@@ -1972,7 +1972,7 @@
           <a:p>
             <a:fld id="{542F47FF-5056-41FF-A1F8-23A414798AA4}" type="datetimeFigureOut">
               <a:rPr lang="en-SG" smtClean="0"/>
-              <a:t>12/4/2018</a:t>
+              <a:t>15/4/2018</a:t>
             </a:fld>
             <a:endParaRPr lang="en-SG"/>
           </a:p>
@@ -2085,7 +2085,7 @@
           <a:p>
             <a:fld id="{542F47FF-5056-41FF-A1F8-23A414798AA4}" type="datetimeFigureOut">
               <a:rPr lang="en-SG" smtClean="0"/>
-              <a:t>12/4/2018</a:t>
+              <a:t>15/4/2018</a:t>
             </a:fld>
             <a:endParaRPr lang="en-SG"/>
           </a:p>
@@ -2398,7 +2398,7 @@
           <a:p>
             <a:fld id="{542F47FF-5056-41FF-A1F8-23A414798AA4}" type="datetimeFigureOut">
               <a:rPr lang="en-SG" smtClean="0"/>
-              <a:t>12/4/2018</a:t>
+              <a:t>15/4/2018</a:t>
             </a:fld>
             <a:endParaRPr lang="en-SG"/>
           </a:p>
@@ -2687,7 +2687,7 @@
           <a:p>
             <a:fld id="{542F47FF-5056-41FF-A1F8-23A414798AA4}" type="datetimeFigureOut">
               <a:rPr lang="en-SG" smtClean="0"/>
-              <a:t>12/4/2018</a:t>
+              <a:t>15/4/2018</a:t>
             </a:fld>
             <a:endParaRPr lang="en-SG"/>
           </a:p>
@@ -2930,7 +2930,7 @@
           <a:p>
             <a:fld id="{542F47FF-5056-41FF-A1F8-23A414798AA4}" type="datetimeFigureOut">
               <a:rPr lang="en-SG" smtClean="0"/>
-              <a:t>12/4/2018</a:t>
+              <a:t>15/4/2018</a:t>
             </a:fld>
             <a:endParaRPr lang="en-SG"/>
           </a:p>
@@ -3362,7 +3362,7 @@
         <p:spPr>
           <a:xfrm>
             <a:off x="-801077" y="397507"/>
-            <a:ext cx="9319609" cy="5581650"/>
+            <a:ext cx="9319610" cy="4227937"/>
           </a:xfrm>
           <a:prstGeom prst="roundRect">
             <a:avLst>
